--- a/Filtering/lecture.pptx
+++ b/Filtering/lecture.pptx
@@ -296,7 +296,7 @@
             <a:pPr algn="r">
               <a:buNone/>
             </a:pPr>
-            <a:fld id="{D0C6F3E7-2D2E-4047-A959-842A609207AA}" type="slidenum">
+            <a:fld id="{FB95E3DE-7F1C-442B-A0FA-A33F67C4176B}" type="slidenum">
               <a:rPr b="0" lang="en-CA" sz="1400" spc="-1" strike="noStrike">
                 <a:latin typeface="Times New Roman"/>
               </a:rPr>
@@ -344,7 +344,7 @@
         <p:spPr>
           <a:xfrm>
             <a:off x="3884760" y="8685360"/>
-            <a:ext cx="2967840" cy="453240"/>
+            <a:ext cx="2967480" cy="452880"/>
           </a:xfrm>
           <a:prstGeom prst="rect">
             <a:avLst/>
@@ -377,7 +377,7 @@
               </a:lnSpc>
               <a:buNone/>
             </a:pPr>
-            <a:fld id="{2847061C-2A46-4AB1-82EF-F128177E64CC}" type="slidenum">
+            <a:fld id="{4F62F36A-8969-40E9-95E6-21A20297435E}" type="slidenum">
               <a:rPr b="0" lang="en-US" sz="1200" spc="-1" strike="noStrike">
                 <a:latin typeface="Times New Roman"/>
                 <a:ea typeface="Lucida Sans Unicode"/>
@@ -403,7 +403,7 @@
         <p:spPr>
           <a:xfrm>
             <a:off x="1143000" y="685800"/>
-            <a:ext cx="4568040" cy="3425040"/>
+            <a:ext cx="4567680" cy="3424680"/>
           </a:xfrm>
           <a:prstGeom prst="rect">
             <a:avLst/>
@@ -426,7 +426,7 @@
         <p:spPr>
           <a:xfrm>
             <a:off x="685800" y="4343400"/>
-            <a:ext cx="5482440" cy="4110840"/>
+            <a:ext cx="5482080" cy="4110480"/>
           </a:xfrm>
           <a:prstGeom prst="rect">
             <a:avLst/>
@@ -3537,7 +3537,7 @@
         <p:spPr>
           <a:xfrm>
             <a:off x="34920" y="6099120"/>
-            <a:ext cx="2529720" cy="710280"/>
+            <a:ext cx="2529360" cy="709920"/>
           </a:xfrm>
           <a:prstGeom prst="rect">
             <a:avLst/>
@@ -3830,7 +3830,7 @@
         <p:spPr>
           <a:xfrm>
             <a:off x="34920" y="6099120"/>
-            <a:ext cx="2529720" cy="710280"/>
+            <a:ext cx="2529360" cy="709920"/>
           </a:xfrm>
           <a:prstGeom prst="rect">
             <a:avLst/>
@@ -4116,7 +4116,7 @@
         <p:spPr>
           <a:xfrm>
             <a:off x="685800" y="2130480"/>
-            <a:ext cx="7768440" cy="1465920"/>
+            <a:ext cx="7768080" cy="1465560"/>
           </a:xfrm>
           <a:prstGeom prst="rect">
             <a:avLst/>
@@ -4142,7 +4142,7 @@
                 <a:latin typeface="Calibri"/>
                 <a:ea typeface="ＭＳ Ｐゴシック"/>
               </a:rPr>
-              <a:t>Paging</a:t>
+              <a:t>Filtering</a:t>
             </a:r>
             <a:endParaRPr b="0" lang="en-CA" sz="4400" spc="-1" strike="noStrike">
               <a:latin typeface="Arial"/>
@@ -4193,7 +4193,7 @@
         <p:spPr>
           <a:xfrm>
             <a:off x="457200" y="274680"/>
-            <a:ext cx="8225640" cy="1139040"/>
+            <a:ext cx="8225280" cy="1138680"/>
           </a:xfrm>
           <a:prstGeom prst="rect">
             <a:avLst/>
@@ -4243,7 +4243,7 @@
         <p:spPr>
           <a:xfrm>
             <a:off x="1261800" y="1415520"/>
-            <a:ext cx="7016400" cy="4521960"/>
+            <a:ext cx="7016040" cy="4521600"/>
           </a:xfrm>
           <a:prstGeom prst="rect">
             <a:avLst/>
@@ -4275,45 +4275,7 @@
                 <a:latin typeface="Calibri"/>
                 <a:ea typeface="ＭＳ Ｐゴシック"/>
               </a:rPr>
-              <a:t>Many queries return large data sets that can overwhelm users and cause performance problems.</a:t>
-            </a:r>
-            <a:endParaRPr b="0" lang="en-CA" sz="2600" spc="-1" strike="noStrike">
-              <a:latin typeface="Arial"/>
-            </a:endParaRPr>
-          </a:p>
-          <a:p>
-            <a:pPr>
-              <a:lnSpc>
-                <a:spcPct val="100000"/>
-              </a:lnSpc>
-              <a:spcBef>
-                <a:spcPts val="641"/>
-              </a:spcBef>
-              <a:buNone/>
-            </a:pPr>
-            <a:endParaRPr b="0" lang="en-CA" sz="2600" spc="-1" strike="noStrike">
-              <a:latin typeface="Arial"/>
-            </a:endParaRPr>
-          </a:p>
-          <a:p>
-            <a:pPr>
-              <a:lnSpc>
-                <a:spcPct val="100000"/>
-              </a:lnSpc>
-              <a:spcBef>
-                <a:spcPts val="641"/>
-              </a:spcBef>
-              <a:buNone/>
-            </a:pPr>
-            <a:r>
-              <a:rPr b="0" lang="en-CA" sz="2600" spc="-1" strike="noStrike">
-                <a:solidFill>
-                  <a:srgbClr val="535353"/>
-                </a:solidFill>
-                <a:latin typeface="Calibri"/>
-                <a:ea typeface="ＭＳ Ｐゴシック"/>
-              </a:rPr>
-              <a:t>The solution is to present the data in more manageable chunks.  </a:t>
+              <a:t>We will define the term filter to be limiting rows displayed based on the selection made in an HTML select element.   </a:t>
             </a:r>
             <a:endParaRPr b="0" lang="en-CA" sz="2600" spc="-1" strike="noStrike">
               <a:latin typeface="Arial"/>
@@ -4420,7 +4382,7 @@
         <p:spPr>
           <a:xfrm>
             <a:off x="457200" y="274680"/>
-            <a:ext cx="8225640" cy="1139040"/>
+            <a:ext cx="8225280" cy="1138680"/>
           </a:xfrm>
           <a:prstGeom prst="rect">
             <a:avLst/>
@@ -4449,7 +4411,7 @@
                 <a:latin typeface="Calibri"/>
                 <a:ea typeface="ＭＳ Ｐゴシック"/>
               </a:rPr>
-              <a:t>SQL Support</a:t>
+              <a:t>Strategy</a:t>
             </a:r>
             <a:endParaRPr b="0" lang="en-CA" sz="4400" spc="-1" strike="noStrike">
               <a:latin typeface="Arial"/>
@@ -4469,8 +4431,8 @@
         </p:nvSpPr>
         <p:spPr>
           <a:xfrm>
-            <a:off x="1261800" y="1415520"/>
-            <a:ext cx="7016400" cy="4521960"/>
+            <a:off x="1153800" y="1307520"/>
+            <a:ext cx="7016040" cy="3264480"/>
           </a:xfrm>
           <a:prstGeom prst="rect">
             <a:avLst/>
@@ -4492,36 +4454,91 @@
               <a:buNone/>
             </a:pPr>
             <a:r>
-              <a:rPr b="0" lang="en-CA" sz="2600" spc="-1" strike="noStrike">
+              <a:rPr b="0" lang="en-CA" sz="2200" spc="-1" strike="noStrike">
                 <a:solidFill>
                   <a:srgbClr val="535353"/>
                 </a:solidFill>
                 <a:latin typeface="Calibri"/>
                 <a:ea typeface="ＭＳ Ｐゴシック"/>
               </a:rPr>
-              <a:t>The SQL standard does not include a full </a:t>
+              <a:t>The View will use the HTML Helper method Html.DropDownList() rather than the Tag Helpers we used with Razor.*  </a:t>
             </a:r>
+            <a:endParaRPr b="0" lang="en-CA" sz="2200" spc="-1" strike="noStrike">
+              <a:latin typeface="Arial"/>
+            </a:endParaRPr>
+          </a:p>
+          <a:p>
+            <a:pPr>
+              <a:lnSpc>
+                <a:spcPct val="100000"/>
+              </a:lnSpc>
+              <a:buNone/>
+            </a:pPr>
+            <a:endParaRPr b="0" lang="en-CA" sz="2600" spc="-1" strike="noStrike">
+              <a:latin typeface="Arial"/>
+            </a:endParaRPr>
+          </a:p>
+          <a:p>
+            <a:pPr>
+              <a:lnSpc>
+                <a:spcPct val="100000"/>
+              </a:lnSpc>
+              <a:buNone/>
+            </a:pPr>
             <a:r>
-              <a:rPr b="0" lang="en-CA" sz="2600" spc="-1" strike="noStrike">
+              <a:rPr b="0" lang="en-CA" sz="2200" spc="-1" strike="noStrike">
                 <a:solidFill>
                   <a:srgbClr val="535353"/>
                 </a:solidFill>
                 <a:latin typeface="Calibri"/>
                 <a:ea typeface="ＭＳ Ｐゴシック"/>
               </a:rPr>
-              <a:t>pagination support.  But most RDBMS </a:t>
+              <a:t>Html.DropDownList() is populated from a SelectList object.  The SelectList is populated in the controller and passed to the View via the ViewBag.</a:t>
             </a:r>
+            <a:endParaRPr b="0" lang="en-CA" sz="2200" spc="-1" strike="noStrike">
+              <a:latin typeface="Arial"/>
+            </a:endParaRPr>
+          </a:p>
+          <a:p>
+            <a:pPr>
+              <a:lnSpc>
+                <a:spcPct val="100000"/>
+              </a:lnSpc>
+              <a:buNone/>
+            </a:pPr>
+            <a:endParaRPr b="0" lang="en-CA" sz="2600" spc="-1" strike="noStrike">
+              <a:latin typeface="Arial"/>
+            </a:endParaRPr>
+          </a:p>
+          <a:p>
+            <a:pPr>
+              <a:lnSpc>
+                <a:spcPct val="100000"/>
+              </a:lnSpc>
+              <a:buNone/>
+            </a:pPr>
+            <a:endParaRPr b="0" lang="en-CA" sz="2600" spc="-1" strike="noStrike">
+              <a:latin typeface="Arial"/>
+            </a:endParaRPr>
+          </a:p>
+          <a:p>
+            <a:pPr>
+              <a:lnSpc>
+                <a:spcPct val="100000"/>
+              </a:lnSpc>
+              <a:buNone/>
+            </a:pPr>
             <a:r>
-              <a:rPr b="0" lang="en-CA" sz="2600" spc="-1" strike="noStrike">
+              <a:rPr b="0" lang="en-CA" sz="2000" spc="-1" strike="noStrike">
                 <a:solidFill>
                   <a:srgbClr val="535353"/>
                 </a:solidFill>
                 <a:latin typeface="Calibri"/>
                 <a:ea typeface="ＭＳ Ｐゴシック"/>
               </a:rPr>
-              <a:t>do.  </a:t>
+              <a:t>*The MVC name space is a little too much for the Tag Helpers to handle in this case.</a:t>
             </a:r>
-            <a:endParaRPr b="0" lang="en-CA" sz="2600" spc="-1" strike="noStrike">
+            <a:endParaRPr b="0" lang="en-CA" sz="2000" spc="-1" strike="noStrike">
               <a:latin typeface="Arial"/>
             </a:endParaRPr>
           </a:p>
@@ -4544,38 +4561,7 @@
               <a:buNone/>
             </a:pPr>
             <a:r>
-              <a:rPr b="0" lang="en-CA" sz="2600" spc="-1" strike="noStrike">
-                <a:solidFill>
-                  <a:srgbClr val="535353"/>
-                </a:solidFill>
-                <a:latin typeface="Calibri"/>
-                <a:ea typeface="ＭＳ Ｐゴシック"/>
-              </a:rPr>
-              <a:t>LINQ uses .Skip() and .Take() to </a:t>
-            </a:r>
-            <a:r>
-              <a:rPr b="0" lang="en-CA" sz="2600" spc="-1" strike="noStrike">
-                <a:solidFill>
-                  <a:srgbClr val="535353"/>
-                </a:solidFill>
-                <a:latin typeface="Calibri"/>
-                <a:ea typeface="ＭＳ Ｐゴシック"/>
-              </a:rPr>
-              <a:t>implement paging.</a:t>
-            </a:r>
-            <a:endParaRPr b="0" lang="en-CA" sz="2600" spc="-1" strike="noStrike">
-              <a:latin typeface="Arial"/>
-            </a:endParaRPr>
-          </a:p>
-          <a:p>
-            <a:pPr>
-              <a:lnSpc>
-                <a:spcPct val="100000"/>
-              </a:lnSpc>
-              <a:buNone/>
-            </a:pPr>
-            <a:r>
-              <a:rPr b="0" lang="en-CA" sz="2600" spc="-1" strike="noStrike">
+              <a:rPr b="0" lang="en-CA" sz="2200" spc="-1" strike="noStrike">
                 <a:solidFill>
                   <a:srgbClr val="535353"/>
                 </a:solidFill>
@@ -4584,7 +4570,7 @@
               </a:rPr>
               <a:t> </a:t>
             </a:r>
-            <a:endParaRPr b="0" lang="en-CA" sz="2600" spc="-1" strike="noStrike">
+            <a:endParaRPr b="0" lang="en-CA" sz="2200" spc="-1" strike="noStrike">
               <a:latin typeface="Arial"/>
             </a:endParaRPr>
           </a:p>
@@ -4677,7 +4663,7 @@
         <p:spPr>
           <a:xfrm>
             <a:off x="457200" y="274680"/>
-            <a:ext cx="8225640" cy="1139040"/>
+            <a:ext cx="8225280" cy="1138680"/>
           </a:xfrm>
           <a:prstGeom prst="rect">
             <a:avLst/>
@@ -4706,7 +4692,7 @@
                 <a:latin typeface="Calibri"/>
                 <a:ea typeface="ＭＳ Ｐゴシック"/>
               </a:rPr>
-              <a:t>LINQ Support</a:t>
+              <a:t>Let’s have a look</a:t>
             </a:r>
             <a:endParaRPr b="0" lang="en-CA" sz="4400" spc="-1" strike="noStrike">
               <a:latin typeface="Arial"/>
@@ -4716,14 +4702,18 @@
       </p:sp>
       <p:sp>
         <p:nvSpPr>
-          <p:cNvPr id="90" name=""/>
-          <p:cNvSpPr txBox="1"/>
-          <p:nvPr/>
-        </p:nvSpPr>
-        <p:spPr>
-          <a:xfrm>
-            <a:off x="720000" y="1606320"/>
-            <a:ext cx="8280000" cy="3073680"/>
+          <p:cNvPr id="90" name="PlaceHolder 2"/>
+          <p:cNvSpPr>
+            <a:spLocks noGrp="1"/>
+          </p:cNvSpPr>
+          <p:nvPr>
+            <p:ph/>
+          </p:nvPr>
+        </p:nvSpPr>
+        <p:spPr>
+          <a:xfrm>
+            <a:off x="1261800" y="1415520"/>
+            <a:ext cx="7016040" cy="3624480"/>
           </a:xfrm>
           <a:prstGeom prst="rect">
             <a:avLst/>
@@ -4738,105 +4728,89 @@
             <a:noAutofit/>
           </a:bodyPr>
           <a:p>
+            <a:pPr>
+              <a:lnSpc>
+                <a:spcPct val="100000"/>
+              </a:lnSpc>
+              <a:buNone/>
+            </a:pPr>
             <a:r>
-              <a:rPr b="0" lang="en-CA" sz="1400" spc="-1" strike="noStrike">
-                <a:latin typeface="Courier New"/>
+              <a:rPr b="0" lang="en-CA" sz="2600" spc="-1" strike="noStrike">
+                <a:solidFill>
+                  <a:srgbClr val="535353"/>
+                </a:solidFill>
+                <a:latin typeface="Calibri"/>
+                <a:ea typeface="ＭＳ Ｐゴシック"/>
               </a:rPr>
-              <a:t>// get a 'fresh' query </a:t>
+              <a:t>This modules lab provides an example of the code.</a:t>
             </a:r>
-            <a:endParaRPr b="0" lang="en-CA" sz="1400" spc="-1" strike="noStrike">
-              <a:latin typeface="Courier New"/>
-              <a:ea typeface="Courier New"/>
-            </a:endParaRPr>
-          </a:p>
-          <a:p>
+            <a:endParaRPr b="0" lang="en-CA" sz="2600" spc="-1" strike="noStrike">
+              <a:latin typeface="Arial"/>
+            </a:endParaRPr>
+          </a:p>
+          <a:p>
+            <a:pPr>
+              <a:lnSpc>
+                <a:spcPct val="100000"/>
+              </a:lnSpc>
+              <a:buNone/>
+            </a:pPr>
             <a:r>
-              <a:rPr b="0" lang="en-CA" sz="1400" spc="-1" strike="noStrike">
-                <a:latin typeface="Courier New"/>
+              <a:rPr b="0" lang="en-CA" sz="2600" spc="-1" strike="noStrike">
+                <a:solidFill>
+                  <a:srgbClr val="535353"/>
+                </a:solidFill>
+                <a:latin typeface="Calibri"/>
+                <a:ea typeface="ＭＳ Ｐゴシック"/>
               </a:rPr>
-              <a:t>var myItems = from item in _context.Items select item;</a:t>
+              <a:t> </a:t>
             </a:r>
-            <a:endParaRPr b="0" lang="en-CA" sz="1400" spc="-1" strike="noStrike">
-              <a:latin typeface="Courier New"/>
-              <a:ea typeface="Courier New"/>
-            </a:endParaRPr>
-          </a:p>
-          <a:p>
-            <a:endParaRPr b="0" lang="en-CA" sz="1400" spc="-1" strike="noStrike">
-              <a:latin typeface="Courier New"/>
-              <a:ea typeface="Courier New"/>
-            </a:endParaRPr>
-          </a:p>
-          <a:p>
-            <a:r>
-              <a:rPr b="0" lang="en-CA" sz="1400" spc="-1" strike="noStrike">
-                <a:latin typeface="Courier New"/>
-              </a:rPr>
-              <a:t>// skip the first 100 rows</a:t>
-            </a:r>
-            <a:endParaRPr b="0" lang="en-CA" sz="1400" spc="-1" strike="noStrike">
-              <a:latin typeface="Courier New"/>
-              <a:ea typeface="Courier New"/>
-            </a:endParaRPr>
-          </a:p>
-          <a:p>
-            <a:r>
-              <a:rPr b="0" lang="en-CA" sz="1400" spc="-1" strike="noStrike">
-                <a:latin typeface="Courier New"/>
-              </a:rPr>
-              <a:t>myItems = myItems.Skip(100)</a:t>
-            </a:r>
-            <a:endParaRPr b="0" lang="en-CA" sz="1400" spc="-1" strike="noStrike">
-              <a:latin typeface="Courier New"/>
-              <a:ea typeface="Courier New"/>
-            </a:endParaRPr>
-          </a:p>
-          <a:p>
-            <a:endParaRPr b="0" lang="en-CA" sz="1400" spc="-1" strike="noStrike">
-              <a:latin typeface="Courier New"/>
-              <a:ea typeface="Courier New"/>
-            </a:endParaRPr>
-          </a:p>
-          <a:p>
-            <a:r>
-              <a:rPr b="0" lang="en-CA" sz="1400" spc="-1" strike="noStrike">
-                <a:latin typeface="Courier New"/>
-              </a:rPr>
-              <a:t>// Only get the next 10 rows</a:t>
-            </a:r>
-            <a:endParaRPr b="0" lang="en-CA" sz="1400" spc="-1" strike="noStrike">
-              <a:latin typeface="Courier New"/>
-              <a:ea typeface="Courier New"/>
-            </a:endParaRPr>
-          </a:p>
-          <a:p>
-            <a:r>
-              <a:rPr b="0" lang="en-CA" sz="1400" spc="-1" strike="noStrike">
-                <a:latin typeface="Courier New"/>
-              </a:rPr>
-              <a:t>myItems = myItems.Take(1)</a:t>
-            </a:r>
-            <a:endParaRPr b="0" lang="en-CA" sz="1400" spc="-1" strike="noStrike">
-              <a:latin typeface="Courier New"/>
-              <a:ea typeface="Courier New"/>
-            </a:endParaRPr>
-          </a:p>
-          <a:p>
-            <a:r>
-              <a:rPr b="0" lang="en-CA" sz="1400" spc="-1" strike="noStrike">
-                <a:latin typeface="Courier New"/>
-              </a:rPr>
-              <a:t>	</a:t>
-            </a:r>
-            <a:endParaRPr b="0" lang="en-CA" sz="1400" spc="-1" strike="noStrike">
-              <a:latin typeface="Courier New"/>
-              <a:ea typeface="Courier New"/>
-            </a:endParaRPr>
-          </a:p>
-          <a:p>
-            <a:endParaRPr b="0" lang="en-CA" sz="1400" spc="-1" strike="noStrike">
-              <a:latin typeface="Courier New"/>
-              <a:ea typeface="Courier New"/>
+            <a:endParaRPr b="0" lang="en-CA" sz="2600" spc="-1" strike="noStrike">
+              <a:latin typeface="Arial"/>
+            </a:endParaRPr>
+          </a:p>
+          <a:p>
+            <a:pPr>
+              <a:lnSpc>
+                <a:spcPct val="100000"/>
+              </a:lnSpc>
+              <a:buNone/>
+            </a:pPr>
+            <a:endParaRPr b="0" lang="en-CA" sz="2600" spc="-1" strike="noStrike">
+              <a:latin typeface="Arial"/>
+            </a:endParaRPr>
+          </a:p>
+          <a:p>
+            <a:pPr>
+              <a:lnSpc>
+                <a:spcPct val="100000"/>
+              </a:lnSpc>
+              <a:buNone/>
+            </a:pPr>
+            <a:endParaRPr b="0" lang="en-CA" sz="2600" spc="-1" strike="noStrike">
+              <a:latin typeface="Arial"/>
+            </a:endParaRPr>
+          </a:p>
+          <a:p>
+            <a:pPr>
+              <a:lnSpc>
+                <a:spcPct val="100000"/>
+              </a:lnSpc>
+              <a:buNone/>
+            </a:pPr>
+            <a:endParaRPr b="0" lang="en-CA" sz="2800" spc="-1" strike="noStrike">
+              <a:latin typeface="Arial"/>
+            </a:endParaRPr>
+          </a:p>
+          <a:p>
+            <a:pPr>
+              <a:lnSpc>
+                <a:spcPct val="100000"/>
+              </a:lnSpc>
+              <a:buNone/>
+            </a:pPr>
+            <a:endParaRPr b="0" lang="en-CA" sz="2800" spc="-1" strike="noStrike">
+              <a:latin typeface="Arial"/>
             </a:endParaRPr>
           </a:p>
         </p:txBody>
